--- a/info/CNVsteps.pptx
+++ b/info/CNVsteps.pptx
@@ -7,7 +7,15 @@
   <p:sldIdLst>
     <p:sldId id="256" r:id="rId2"/>
     <p:sldId id="257" r:id="rId3"/>
-    <p:sldId id="258" r:id="rId4"/>
+    <p:sldId id="259" r:id="rId4"/>
+    <p:sldId id="260" r:id="rId5"/>
+    <p:sldId id="264" r:id="rId6"/>
+    <p:sldId id="265" r:id="rId7"/>
+    <p:sldId id="266" r:id="rId8"/>
+    <p:sldId id="261" r:id="rId9"/>
+    <p:sldId id="262" r:id="rId10"/>
+    <p:sldId id="263" r:id="rId11"/>
+    <p:sldId id="258" r:id="rId12"/>
   </p:sldIdLst>
   <p:sldSz cx="12192000" cy="6858000"/>
   <p:notesSz cx="6858000" cy="9144000"/>
@@ -106,6 +114,11 @@
       </a:defRPr>
     </a:lvl9pPr>
   </p:defaultTextStyle>
+  <p:extLst>
+    <p:ext uri="{EFAFB233-063F-42B5-8137-9DF3F51BA10A}">
+      <p15:sldGuideLst xmlns:p15="http://schemas.microsoft.com/office/powerpoint/2012/main"/>
+    </p:ext>
+  </p:extLst>
 </p:presentation>
 </file>
 
@@ -257,7 +270,7 @@
           <a:lstStyle/>
           <a:p>
             <a:fld id="{826E6C52-883E-5E4A-8CD3-C74D6207A93E}" type="datetimeFigureOut">
-              <a:t>25.09.20</a:t>
+              <a:t>28.09.20</a:t>
             </a:fld>
             <a:endParaRPr lang="de-DE"/>
           </a:p>
@@ -455,7 +468,7 @@
           <a:lstStyle/>
           <a:p>
             <a:fld id="{826E6C52-883E-5E4A-8CD3-C74D6207A93E}" type="datetimeFigureOut">
-              <a:t>25.09.20</a:t>
+              <a:t>28.09.20</a:t>
             </a:fld>
             <a:endParaRPr lang="de-DE"/>
           </a:p>
@@ -663,7 +676,7 @@
           <a:lstStyle/>
           <a:p>
             <a:fld id="{826E6C52-883E-5E4A-8CD3-C74D6207A93E}" type="datetimeFigureOut">
-              <a:t>25.09.20</a:t>
+              <a:t>28.09.20</a:t>
             </a:fld>
             <a:endParaRPr lang="de-DE"/>
           </a:p>
@@ -861,7 +874,7 @@
           <a:lstStyle/>
           <a:p>
             <a:fld id="{826E6C52-883E-5E4A-8CD3-C74D6207A93E}" type="datetimeFigureOut">
-              <a:t>25.09.20</a:t>
+              <a:t>28.09.20</a:t>
             </a:fld>
             <a:endParaRPr lang="de-DE"/>
           </a:p>
@@ -1135,7 +1148,7 @@
           <a:lstStyle/>
           <a:p>
             <a:fld id="{826E6C52-883E-5E4A-8CD3-C74D6207A93E}" type="datetimeFigureOut">
-              <a:t>25.09.20</a:t>
+              <a:t>28.09.20</a:t>
             </a:fld>
             <a:endParaRPr lang="de-DE"/>
           </a:p>
@@ -1401,7 +1414,7 @@
           <a:lstStyle/>
           <a:p>
             <a:fld id="{826E6C52-883E-5E4A-8CD3-C74D6207A93E}" type="datetimeFigureOut">
-              <a:t>25.09.20</a:t>
+              <a:t>28.09.20</a:t>
             </a:fld>
             <a:endParaRPr lang="de-DE"/>
           </a:p>
@@ -1814,7 +1827,7 @@
           <a:lstStyle/>
           <a:p>
             <a:fld id="{826E6C52-883E-5E4A-8CD3-C74D6207A93E}" type="datetimeFigureOut">
-              <a:t>25.09.20</a:t>
+              <a:t>28.09.20</a:t>
             </a:fld>
             <a:endParaRPr lang="de-DE"/>
           </a:p>
@@ -1954,7 +1967,7 @@
           <a:lstStyle/>
           <a:p>
             <a:fld id="{826E6C52-883E-5E4A-8CD3-C74D6207A93E}" type="datetimeFigureOut">
-              <a:t>25.09.20</a:t>
+              <a:t>28.09.20</a:t>
             </a:fld>
             <a:endParaRPr lang="de-DE"/>
           </a:p>
@@ -2065,7 +2078,7 @@
           <a:lstStyle/>
           <a:p>
             <a:fld id="{826E6C52-883E-5E4A-8CD3-C74D6207A93E}" type="datetimeFigureOut">
-              <a:t>25.09.20</a:t>
+              <a:t>28.09.20</a:t>
             </a:fld>
             <a:endParaRPr lang="de-DE"/>
           </a:p>
@@ -2376,7 +2389,7 @@
           <a:lstStyle/>
           <a:p>
             <a:fld id="{826E6C52-883E-5E4A-8CD3-C74D6207A93E}" type="datetimeFigureOut">
-              <a:t>25.09.20</a:t>
+              <a:t>28.09.20</a:t>
             </a:fld>
             <a:endParaRPr lang="de-DE"/>
           </a:p>
@@ -2663,7 +2676,7 @@
           <a:lstStyle/>
           <a:p>
             <a:fld id="{826E6C52-883E-5E4A-8CD3-C74D6207A93E}" type="datetimeFigureOut">
-              <a:t>25.09.20</a:t>
+              <a:t>28.09.20</a:t>
             </a:fld>
             <a:endParaRPr lang="de-DE"/>
           </a:p>
@@ -2904,7 +2917,7 @@
           </a:lstStyle>
           <a:p>
             <a:fld id="{826E6C52-883E-5E4A-8CD3-C74D6207A93E}" type="datetimeFigureOut">
-              <a:t>25.09.20</a:t>
+              <a:t>28.09.20</a:t>
             </a:fld>
             <a:endParaRPr lang="de-DE"/>
           </a:p>
@@ -3389,6 +3402,212 @@
 </p:sld>
 </file>
 
+<file path=ppt/slides/slide10.xml><?xml version="1.0" encoding="utf-8"?>
+<p:sld xmlns:a="http://schemas.openxmlformats.org/drawingml/2006/main" xmlns:r="http://schemas.openxmlformats.org/officeDocument/2006/relationships" xmlns:p="http://schemas.openxmlformats.org/presentationml/2006/main">
+  <p:cSld>
+    <p:spTree>
+      <p:nvGrpSpPr>
+        <p:cNvPr id="1" name=""/>
+        <p:cNvGrpSpPr/>
+        <p:nvPr/>
+      </p:nvGrpSpPr>
+      <p:grpSpPr>
+        <a:xfrm>
+          <a:off x="0" y="0"/>
+          <a:ext cx="0" cy="0"/>
+          <a:chOff x="0" y="0"/>
+          <a:chExt cx="0" cy="0"/>
+        </a:xfrm>
+      </p:grpSpPr>
+    </p:spTree>
+    <p:extLst>
+      <p:ext uri="{BB962C8B-B14F-4D97-AF65-F5344CB8AC3E}">
+        <p14:creationId xmlns:p14="http://schemas.microsoft.com/office/powerpoint/2010/main" val="3679555583"/>
+      </p:ext>
+    </p:extLst>
+  </p:cSld>
+  <p:clrMapOvr>
+    <a:masterClrMapping/>
+  </p:clrMapOvr>
+</p:sld>
+</file>
+
+<file path=ppt/slides/slide11.xml><?xml version="1.0" encoding="utf-8"?>
+<p:sld xmlns:a="http://schemas.openxmlformats.org/drawingml/2006/main" xmlns:r="http://schemas.openxmlformats.org/officeDocument/2006/relationships" xmlns:p="http://schemas.openxmlformats.org/presentationml/2006/main">
+  <p:cSld>
+    <p:spTree>
+      <p:nvGrpSpPr>
+        <p:cNvPr id="1" name=""/>
+        <p:cNvGrpSpPr/>
+        <p:nvPr/>
+      </p:nvGrpSpPr>
+      <p:grpSpPr>
+        <a:xfrm>
+          <a:off x="0" y="0"/>
+          <a:ext cx="0" cy="0"/>
+          <a:chOff x="0" y="0"/>
+          <a:chExt cx="0" cy="0"/>
+        </a:xfrm>
+      </p:grpSpPr>
+      <p:sp>
+        <p:nvSpPr>
+          <p:cNvPr id="4" name="TextBox 3">
+            <a:extLst>
+              <a:ext uri="{FF2B5EF4-FFF2-40B4-BE49-F238E27FC236}">
+                <a16:creationId xmlns:a16="http://schemas.microsoft.com/office/drawing/2014/main" id="{7684F989-D849-524C-A94F-C5A3CBA60711}"/>
+              </a:ext>
+            </a:extLst>
+          </p:cNvPr>
+          <p:cNvSpPr txBox="1"/>
+          <p:nvPr/>
+        </p:nvSpPr>
+        <p:spPr>
+          <a:xfrm>
+            <a:off x="0" y="0"/>
+            <a:ext cx="12192000" cy="461665"/>
+          </a:xfrm>
+          <a:prstGeom prst="rect">
+            <a:avLst/>
+          </a:prstGeom>
+          <a:noFill/>
+        </p:spPr>
+        <p:txBody>
+          <a:bodyPr wrap="square" rtlCol="0">
+            <a:spAutoFit/>
+          </a:bodyPr>
+          <a:lstStyle/>
+          <a:p>
+            <a:pPr algn="ctr"/>
+            <a:r>
+              <a:rPr lang="de-DE" sz="2400">
+                <a:latin typeface="Georgia" panose="02040502050405020303" pitchFamily="18" charset="0"/>
+              </a:rPr>
+              <a:t>compare coverage to mean coverage of PON</a:t>
+            </a:r>
+          </a:p>
+        </p:txBody>
+      </p:sp>
+      <p:sp>
+        <p:nvSpPr>
+          <p:cNvPr id="5" name="TextBox 4">
+            <a:extLst>
+              <a:ext uri="{FF2B5EF4-FFF2-40B4-BE49-F238E27FC236}">
+                <a16:creationId xmlns:a16="http://schemas.microsoft.com/office/drawing/2014/main" id="{90AB12E7-D2ED-0345-B4B7-7CA89628C9B2}"/>
+              </a:ext>
+            </a:extLst>
+          </p:cNvPr>
+          <p:cNvSpPr txBox="1"/>
+          <p:nvPr/>
+        </p:nvSpPr>
+        <p:spPr>
+          <a:xfrm>
+            <a:off x="171450" y="708661"/>
+            <a:ext cx="12020550" cy="2031325"/>
+          </a:xfrm>
+          <a:prstGeom prst="rect">
+            <a:avLst/>
+          </a:prstGeom>
+          <a:noFill/>
+        </p:spPr>
+        <p:txBody>
+          <a:bodyPr wrap="square" rtlCol="0">
+            <a:spAutoFit/>
+          </a:bodyPr>
+          <a:lstStyle/>
+          <a:p>
+            <a:r>
+              <a:rPr lang="de-DE"/>
+              <a:t>run on command line</a:t>
+            </a:r>
+          </a:p>
+          <a:p>
+            <a:r>
+              <a:rPr lang="de-DE"/>
+              <a:t>samtools view $bam chr7 | 				extracts the reads for that chromosome</a:t>
+            </a:r>
+          </a:p>
+          <a:p>
+            <a:r>
+              <a:rPr lang="de-DE"/>
+              <a:t>bamCoverage [minCoverage=0] |			would be better to have chromCoverage (where is it)</a:t>
+            </a:r>
+          </a:p>
+          <a:p>
+            <a:r>
+              <a:rPr lang="de-DE"/>
+              <a:t>				 		would make it more performant</a:t>
+            </a:r>
+          </a:p>
+          <a:p>
+            <a:r>
+              <a:rPr lang="de-DE"/>
+              <a:t>rollingCoverage [rollingWindow=100] |	 		every half windowSize a mean coverage is written out</a:t>
+            </a:r>
+          </a:p>
+          <a:p>
+            <a:r>
+              <a:rPr lang="de-DE"/>
+              <a:t>filterbed $BED chr7 [writeout exomCoords=1]		 filters the output for positions covered by the bedfile</a:t>
+            </a:r>
+          </a:p>
+          <a:p>
+            <a:endParaRPr lang="de-DE"/>
+          </a:p>
+        </p:txBody>
+      </p:sp>
+      <p:sp>
+        <p:nvSpPr>
+          <p:cNvPr id="6" name="Rectangle 5">
+            <a:extLst>
+              <a:ext uri="{FF2B5EF4-FFF2-40B4-BE49-F238E27FC236}">
+                <a16:creationId xmlns:a16="http://schemas.microsoft.com/office/drawing/2014/main" id="{DE09A3D3-2A21-8042-A77B-B602FA1DA78B}"/>
+              </a:ext>
+            </a:extLst>
+          </p:cNvPr>
+          <p:cNvSpPr/>
+          <p:nvPr/>
+        </p:nvSpPr>
+        <p:spPr>
+          <a:xfrm>
+            <a:off x="85724" y="2598897"/>
+            <a:ext cx="11024235" cy="230832"/>
+          </a:xfrm>
+          <a:prstGeom prst="rect">
+            <a:avLst/>
+          </a:prstGeom>
+        </p:spPr>
+        <p:txBody>
+          <a:bodyPr wrap="square">
+            <a:spAutoFit/>
+          </a:bodyPr>
+          <a:lstStyle/>
+          <a:p>
+            <a:r>
+              <a:rPr lang="de-DE" sz="900">
+                <a:solidFill>
+                  <a:srgbClr val="000000"/>
+                </a:solidFill>
+                <a:effectLst/>
+                <a:latin typeface="Menlo" panose="020B0609030804020204" pitchFamily="49" charset="0"/>
+              </a:rPr>
+              <a:t>samtools view /Users/martinscience/Dropbox/Icke/Work/somVar/testdata/bam/002_A.bam chr7 | bamCoverage | rollingCoverage 50 | filterBed $BED 1 chr7 | head -100</a:t>
+            </a:r>
+          </a:p>
+        </p:txBody>
+      </p:sp>
+    </p:spTree>
+    <p:extLst>
+      <p:ext uri="{BB962C8B-B14F-4D97-AF65-F5344CB8AC3E}">
+        <p14:creationId xmlns:p14="http://schemas.microsoft.com/office/powerpoint/2010/main" val="3175223389"/>
+      </p:ext>
+    </p:extLst>
+  </p:cSld>
+  <p:clrMapOvr>
+    <a:masterClrMapping/>
+  </p:clrMapOvr>
+</p:sld>
+</file>
+
 <file path=ppt/slides/slide2.xml><?xml version="1.0" encoding="utf-8"?>
 <p:sld xmlns:a="http://schemas.openxmlformats.org/drawingml/2006/main" xmlns:r="http://schemas.openxmlformats.org/officeDocument/2006/relationships" xmlns:p="http://schemas.openxmlformats.org/presentationml/2006/main">
   <p:cSld>
@@ -3582,12 +3801,42 @@
           <a:chExt cx="0" cy="0"/>
         </a:xfrm>
       </p:grpSpPr>
+      <p:pic>
+        <p:nvPicPr>
+          <p:cNvPr id="3" name="Picture 2">
+            <a:extLst>
+              <a:ext uri="{FF2B5EF4-FFF2-40B4-BE49-F238E27FC236}">
+                <a16:creationId xmlns:a16="http://schemas.microsoft.com/office/drawing/2014/main" id="{35686F85-8830-5D48-B5C7-88656B6473DE}"/>
+              </a:ext>
+            </a:extLst>
+          </p:cNvPr>
+          <p:cNvPicPr>
+            <a:picLocks noChangeAspect="1"/>
+          </p:cNvPicPr>
+          <p:nvPr/>
+        </p:nvPicPr>
+        <p:blipFill>
+          <a:blip r:embed="rId2"/>
+          <a:stretch>
+            <a:fillRect/>
+          </a:stretch>
+        </p:blipFill>
+        <p:spPr>
+          <a:xfrm>
+            <a:off x="0" y="742951"/>
+            <a:ext cx="12230100" cy="6115050"/>
+          </a:xfrm>
+          <a:prstGeom prst="rect">
+            <a:avLst/>
+          </a:prstGeom>
+        </p:spPr>
+      </p:pic>
       <p:sp>
         <p:nvSpPr>
           <p:cNvPr id="4" name="TextBox 3">
             <a:extLst>
               <a:ext uri="{FF2B5EF4-FFF2-40B4-BE49-F238E27FC236}">
-                <a16:creationId xmlns:a16="http://schemas.microsoft.com/office/drawing/2014/main" id="{7684F989-D849-524C-A94F-C5A3CBA60711}"/>
+                <a16:creationId xmlns:a16="http://schemas.microsoft.com/office/drawing/2014/main" id="{BA56A8C3-4720-C347-B9E9-D273A4B7148B}"/>
               </a:ext>
             </a:extLst>
           </p:cNvPr>
@@ -3615,17 +3864,47 @@
               <a:rPr lang="de-DE" sz="2400">
                 <a:latin typeface="Georgia" panose="02040502050405020303" pitchFamily="18" charset="0"/>
               </a:rPr>
-              <a:t>compare coverage to mean coverage of PON</a:t>
-            </a:r>
-          </a:p>
-        </p:txBody>
-      </p:sp>
-      <p:sp>
-        <p:nvSpPr>
-          <p:cNvPr id="5" name="TextBox 4">
-            <a:extLst>
-              <a:ext uri="{FF2B5EF4-FFF2-40B4-BE49-F238E27FC236}">
-                <a16:creationId xmlns:a16="http://schemas.microsoft.com/office/drawing/2014/main" id="{90AB12E7-D2ED-0345-B4B7-7CA89628C9B2}"/>
+              <a:t>coverage over chr7</a:t>
+            </a:r>
+          </a:p>
+        </p:txBody>
+      </p:sp>
+    </p:spTree>
+    <p:extLst>
+      <p:ext uri="{BB962C8B-B14F-4D97-AF65-F5344CB8AC3E}">
+        <p14:creationId xmlns:p14="http://schemas.microsoft.com/office/powerpoint/2010/main" val="4153997334"/>
+      </p:ext>
+    </p:extLst>
+  </p:cSld>
+  <p:clrMapOvr>
+    <a:masterClrMapping/>
+  </p:clrMapOvr>
+</p:sld>
+</file>
+
+<file path=ppt/slides/slide4.xml><?xml version="1.0" encoding="utf-8"?>
+<p:sld xmlns:a="http://schemas.openxmlformats.org/drawingml/2006/main" xmlns:r="http://schemas.openxmlformats.org/officeDocument/2006/relationships" xmlns:p="http://schemas.openxmlformats.org/presentationml/2006/main">
+  <p:cSld>
+    <p:spTree>
+      <p:nvGrpSpPr>
+        <p:cNvPr id="1" name=""/>
+        <p:cNvGrpSpPr/>
+        <p:nvPr/>
+      </p:nvGrpSpPr>
+      <p:grpSpPr>
+        <a:xfrm>
+          <a:off x="0" y="0"/>
+          <a:ext cx="0" cy="0"/>
+          <a:chOff x="0" y="0"/>
+          <a:chExt cx="0" cy="0"/>
+        </a:xfrm>
+      </p:grpSpPr>
+      <p:sp>
+        <p:nvSpPr>
+          <p:cNvPr id="2" name="TextBox 1">
+            <a:extLst>
+              <a:ext uri="{FF2B5EF4-FFF2-40B4-BE49-F238E27FC236}">
+                <a16:creationId xmlns:a16="http://schemas.microsoft.com/office/drawing/2014/main" id="{ED13CC13-4E54-804C-A792-7C6D695132C0}"/>
               </a:ext>
             </a:extLst>
           </p:cNvPr>
@@ -3634,8 +3913,8 @@
         </p:nvSpPr>
         <p:spPr>
           <a:xfrm>
-            <a:off x="171450" y="708661"/>
-            <a:ext cx="12020550" cy="2031325"/>
+            <a:off x="0" y="0"/>
+            <a:ext cx="12192000" cy="461665"/>
           </a:xfrm>
           <a:prstGeom prst="rect">
             <a:avLst/>
@@ -3648,90 +3927,404 @@
           </a:bodyPr>
           <a:lstStyle/>
           <a:p>
-            <a:r>
-              <a:rPr lang="de-DE"/>
-              <a:t>run on command line</a:t>
-            </a:r>
-          </a:p>
-          <a:p>
-            <a:r>
-              <a:rPr lang="de-DE"/>
-              <a:t>samtools view $bam chr7 | 				extracts the reads for that chromosome</a:t>
-            </a:r>
-          </a:p>
-          <a:p>
-            <a:r>
-              <a:rPr lang="de-DE"/>
-              <a:t>bamCoverage [minCoverage=0] |			would be better to have chromCoverage (where is it)</a:t>
-            </a:r>
-          </a:p>
-          <a:p>
-            <a:r>
-              <a:rPr lang="de-DE"/>
-              <a:t>				 		would make it more performant</a:t>
-            </a:r>
-          </a:p>
-          <a:p>
-            <a:r>
-              <a:rPr lang="de-DE"/>
-              <a:t>rollingCoverage [rollingWindow=100] |	 		every half windowSize a mean coverage is written out</a:t>
-            </a:r>
-          </a:p>
-          <a:p>
-            <a:r>
-              <a:rPr lang="de-DE"/>
-              <a:t>filterbed $BED chr7 [writeout exomCoords=1]		 filters the output for positions covered by the bedfile</a:t>
-            </a:r>
-          </a:p>
-          <a:p>
-            <a:endParaRPr lang="de-DE"/>
-          </a:p>
-        </p:txBody>
-      </p:sp>
-      <p:sp>
-        <p:nvSpPr>
-          <p:cNvPr id="6" name="Rectangle 5">
-            <a:extLst>
-              <a:ext uri="{FF2B5EF4-FFF2-40B4-BE49-F238E27FC236}">
-                <a16:creationId xmlns:a16="http://schemas.microsoft.com/office/drawing/2014/main" id="{DE09A3D3-2A21-8042-A77B-B602FA1DA78B}"/>
-              </a:ext>
-            </a:extLst>
-          </p:cNvPr>
-          <p:cNvSpPr/>
+            <a:pPr algn="ctr"/>
+            <a:r>
+              <a:rPr lang="de-DE" sz="2400">
+                <a:latin typeface="Georgia" panose="02040502050405020303" pitchFamily="18" charset="0"/>
+              </a:rPr>
+              <a:t>normalized coverage over chr7</a:t>
+            </a:r>
+          </a:p>
+        </p:txBody>
+      </p:sp>
+      <p:pic>
+        <p:nvPicPr>
+          <p:cNvPr id="4" name="Picture 3">
+            <a:extLst>
+              <a:ext uri="{FF2B5EF4-FFF2-40B4-BE49-F238E27FC236}">
+                <a16:creationId xmlns:a16="http://schemas.microsoft.com/office/drawing/2014/main" id="{D334F0FB-C19F-7F43-A648-B5BF404C3936}"/>
+              </a:ext>
+            </a:extLst>
+          </p:cNvPr>
+          <p:cNvPicPr>
+            <a:picLocks noChangeAspect="1"/>
+          </p:cNvPicPr>
           <p:nvPr/>
-        </p:nvSpPr>
+        </p:nvPicPr>
+        <p:blipFill>
+          <a:blip r:embed="rId2"/>
+          <a:stretch>
+            <a:fillRect/>
+          </a:stretch>
+        </p:blipFill>
         <p:spPr>
           <a:xfrm>
-            <a:off x="85724" y="2598897"/>
-            <a:ext cx="11024235" cy="230832"/>
+            <a:off x="0" y="762000"/>
+            <a:ext cx="12192000" cy="6096000"/>
           </a:xfrm>
           <a:prstGeom prst="rect">
             <a:avLst/>
           </a:prstGeom>
         </p:spPr>
-        <p:txBody>
-          <a:bodyPr wrap="square">
-            <a:spAutoFit/>
-          </a:bodyPr>
-          <a:lstStyle/>
-          <a:p>
-            <a:r>
-              <a:rPr lang="de-DE" sz="900">
-                <a:solidFill>
-                  <a:srgbClr val="000000"/>
-                </a:solidFill>
-                <a:effectLst/>
-                <a:latin typeface="Menlo" panose="020B0609030804020204" pitchFamily="49" charset="0"/>
-              </a:rPr>
-              <a:t>samtools view /Users/martinscience/Dropbox/Icke/Work/somVar/testdata/bam/002_A.bam chr7 | bamCoverage | rollingCoverage 50 | filterBed $BED 1 chr7 | head -100</a:t>
-            </a:r>
-          </a:p>
-        </p:txBody>
-      </p:sp>
+      </p:pic>
     </p:spTree>
     <p:extLst>
       <p:ext uri="{BB962C8B-B14F-4D97-AF65-F5344CB8AC3E}">
-        <p14:creationId xmlns:p14="http://schemas.microsoft.com/office/powerpoint/2010/main" val="3175223389"/>
+        <p14:creationId xmlns:p14="http://schemas.microsoft.com/office/powerpoint/2010/main" val="2945159110"/>
+      </p:ext>
+    </p:extLst>
+  </p:cSld>
+  <p:clrMapOvr>
+    <a:masterClrMapping/>
+  </p:clrMapOvr>
+</p:sld>
+</file>
+
+<file path=ppt/slides/slide5.xml><?xml version="1.0" encoding="utf-8"?>
+<p:sld xmlns:a="http://schemas.openxmlformats.org/drawingml/2006/main" xmlns:r="http://schemas.openxmlformats.org/officeDocument/2006/relationships" xmlns:p="http://schemas.openxmlformats.org/presentationml/2006/main">
+  <p:cSld>
+    <p:spTree>
+      <p:nvGrpSpPr>
+        <p:cNvPr id="1" name=""/>
+        <p:cNvGrpSpPr/>
+        <p:nvPr/>
+      </p:nvGrpSpPr>
+      <p:grpSpPr>
+        <a:xfrm>
+          <a:off x="0" y="0"/>
+          <a:ext cx="0" cy="0"/>
+          <a:chOff x="0" y="0"/>
+          <a:chExt cx="0" cy="0"/>
+        </a:xfrm>
+      </p:grpSpPr>
+      <p:pic>
+        <p:nvPicPr>
+          <p:cNvPr id="7" name="Picture 6">
+            <a:extLst>
+              <a:ext uri="{FF2B5EF4-FFF2-40B4-BE49-F238E27FC236}">
+                <a16:creationId xmlns:a16="http://schemas.microsoft.com/office/drawing/2014/main" id="{BA172967-027F-4247-BB34-A92C4A032152}"/>
+              </a:ext>
+            </a:extLst>
+          </p:cNvPr>
+          <p:cNvPicPr>
+            <a:picLocks noChangeAspect="1"/>
+          </p:cNvPicPr>
+          <p:nvPr/>
+        </p:nvPicPr>
+        <p:blipFill>
+          <a:blip r:embed="rId2"/>
+          <a:stretch>
+            <a:fillRect/>
+          </a:stretch>
+        </p:blipFill>
+        <p:spPr>
+          <a:xfrm>
+            <a:off x="0" y="762000"/>
+            <a:ext cx="12192000" cy="6096000"/>
+          </a:xfrm>
+          <a:prstGeom prst="rect">
+            <a:avLst/>
+          </a:prstGeom>
+        </p:spPr>
+      </p:pic>
+      <p:sp>
+        <p:nvSpPr>
+          <p:cNvPr id="4" name="TextBox 3">
+            <a:extLst>
+              <a:ext uri="{FF2B5EF4-FFF2-40B4-BE49-F238E27FC236}">
+                <a16:creationId xmlns:a16="http://schemas.microsoft.com/office/drawing/2014/main" id="{A755D6F3-8373-6C42-96F1-5D8601FFAB34}"/>
+              </a:ext>
+            </a:extLst>
+          </p:cNvPr>
+          <p:cNvSpPr txBox="1"/>
+          <p:nvPr/>
+        </p:nvSpPr>
+        <p:spPr>
+          <a:xfrm>
+            <a:off x="0" y="0"/>
+            <a:ext cx="12192000" cy="461665"/>
+          </a:xfrm>
+          <a:prstGeom prst="rect">
+            <a:avLst/>
+          </a:prstGeom>
+          <a:noFill/>
+        </p:spPr>
+        <p:txBody>
+          <a:bodyPr wrap="square" rtlCol="0">
+            <a:spAutoFit/>
+          </a:bodyPr>
+          <a:lstStyle/>
+          <a:p>
+            <a:pPr algn="ctr"/>
+            <a:r>
+              <a:rPr lang="de-DE" sz="2400">
+                <a:latin typeface="Georgia" panose="02040502050405020303" pitchFamily="18" charset="0"/>
+              </a:rPr>
+              <a:t>coverage over chr7</a:t>
+            </a:r>
+          </a:p>
+        </p:txBody>
+      </p:sp>
+    </p:spTree>
+    <p:extLst>
+      <p:ext uri="{BB962C8B-B14F-4D97-AF65-F5344CB8AC3E}">
+        <p14:creationId xmlns:p14="http://schemas.microsoft.com/office/powerpoint/2010/main" val="2051925881"/>
+      </p:ext>
+    </p:extLst>
+  </p:cSld>
+  <p:clrMapOvr>
+    <a:masterClrMapping/>
+  </p:clrMapOvr>
+</p:sld>
+</file>
+
+<file path=ppt/slides/slide6.xml><?xml version="1.0" encoding="utf-8"?>
+<p:sld xmlns:a="http://schemas.openxmlformats.org/drawingml/2006/main" xmlns:r="http://schemas.openxmlformats.org/officeDocument/2006/relationships" xmlns:p="http://schemas.openxmlformats.org/presentationml/2006/main">
+  <p:cSld>
+    <p:spTree>
+      <p:nvGrpSpPr>
+        <p:cNvPr id="1" name=""/>
+        <p:cNvGrpSpPr/>
+        <p:nvPr/>
+      </p:nvGrpSpPr>
+      <p:grpSpPr>
+        <a:xfrm>
+          <a:off x="0" y="0"/>
+          <a:ext cx="0" cy="0"/>
+          <a:chOff x="0" y="0"/>
+          <a:chExt cx="0" cy="0"/>
+        </a:xfrm>
+      </p:grpSpPr>
+      <p:pic>
+        <p:nvPicPr>
+          <p:cNvPr id="9" name="Picture 8">
+            <a:extLst>
+              <a:ext uri="{FF2B5EF4-FFF2-40B4-BE49-F238E27FC236}">
+                <a16:creationId xmlns:a16="http://schemas.microsoft.com/office/drawing/2014/main" id="{56D6F391-164B-6A4D-8C34-05217C7C8BDF}"/>
+              </a:ext>
+            </a:extLst>
+          </p:cNvPr>
+          <p:cNvPicPr>
+            <a:picLocks noChangeAspect="1"/>
+          </p:cNvPicPr>
+          <p:nvPr/>
+        </p:nvPicPr>
+        <p:blipFill>
+          <a:blip r:embed="rId2"/>
+          <a:stretch>
+            <a:fillRect/>
+          </a:stretch>
+        </p:blipFill>
+        <p:spPr>
+          <a:xfrm>
+            <a:off x="0" y="762000"/>
+            <a:ext cx="12192000" cy="6096000"/>
+          </a:xfrm>
+          <a:prstGeom prst="rect">
+            <a:avLst/>
+          </a:prstGeom>
+        </p:spPr>
+      </p:pic>
+      <p:sp>
+        <p:nvSpPr>
+          <p:cNvPr id="4" name="TextBox 3">
+            <a:extLst>
+              <a:ext uri="{FF2B5EF4-FFF2-40B4-BE49-F238E27FC236}">
+                <a16:creationId xmlns:a16="http://schemas.microsoft.com/office/drawing/2014/main" id="{A755D6F3-8373-6C42-96F1-5D8601FFAB34}"/>
+              </a:ext>
+            </a:extLst>
+          </p:cNvPr>
+          <p:cNvSpPr txBox="1"/>
+          <p:nvPr/>
+        </p:nvSpPr>
+        <p:spPr>
+          <a:xfrm>
+            <a:off x="0" y="0"/>
+            <a:ext cx="12192000" cy="461665"/>
+          </a:xfrm>
+          <a:prstGeom prst="rect">
+            <a:avLst/>
+          </a:prstGeom>
+          <a:noFill/>
+        </p:spPr>
+        <p:txBody>
+          <a:bodyPr wrap="square" rtlCol="0">
+            <a:spAutoFit/>
+          </a:bodyPr>
+          <a:lstStyle/>
+          <a:p>
+            <a:pPr algn="ctr"/>
+            <a:r>
+              <a:rPr lang="de-DE" sz="2400">
+                <a:latin typeface="Georgia" panose="02040502050405020303" pitchFamily="18" charset="0"/>
+              </a:rPr>
+              <a:t>normalized coverage over chr7</a:t>
+            </a:r>
+          </a:p>
+        </p:txBody>
+      </p:sp>
+    </p:spTree>
+    <p:extLst>
+      <p:ext uri="{BB962C8B-B14F-4D97-AF65-F5344CB8AC3E}">
+        <p14:creationId xmlns:p14="http://schemas.microsoft.com/office/powerpoint/2010/main" val="3297640439"/>
+      </p:ext>
+    </p:extLst>
+  </p:cSld>
+  <p:clrMapOvr>
+    <a:masterClrMapping/>
+  </p:clrMapOvr>
+</p:sld>
+</file>
+
+<file path=ppt/slides/slide7.xml><?xml version="1.0" encoding="utf-8"?>
+<p:sld xmlns:a="http://schemas.openxmlformats.org/drawingml/2006/main" xmlns:r="http://schemas.openxmlformats.org/officeDocument/2006/relationships" xmlns:p="http://schemas.openxmlformats.org/presentationml/2006/main">
+  <p:cSld>
+    <p:spTree>
+      <p:nvGrpSpPr>
+        <p:cNvPr id="1" name=""/>
+        <p:cNvGrpSpPr/>
+        <p:nvPr/>
+      </p:nvGrpSpPr>
+      <p:grpSpPr>
+        <a:xfrm>
+          <a:off x="0" y="0"/>
+          <a:ext cx="0" cy="0"/>
+          <a:chOff x="0" y="0"/>
+          <a:chExt cx="0" cy="0"/>
+        </a:xfrm>
+      </p:grpSpPr>
+      <p:pic>
+        <p:nvPicPr>
+          <p:cNvPr id="3" name="Picture 2">
+            <a:extLst>
+              <a:ext uri="{FF2B5EF4-FFF2-40B4-BE49-F238E27FC236}">
+                <a16:creationId xmlns:a16="http://schemas.microsoft.com/office/drawing/2014/main" id="{25F1E711-335F-9F4A-9F07-B8689E765257}"/>
+              </a:ext>
+            </a:extLst>
+          </p:cNvPr>
+          <p:cNvPicPr>
+            <a:picLocks noChangeAspect="1"/>
+          </p:cNvPicPr>
+          <p:nvPr/>
+        </p:nvPicPr>
+        <p:blipFill>
+          <a:blip r:embed="rId2"/>
+          <a:stretch>
+            <a:fillRect/>
+          </a:stretch>
+        </p:blipFill>
+        <p:spPr>
+          <a:xfrm>
+            <a:off x="0" y="845820"/>
+            <a:ext cx="11315700" cy="6012180"/>
+          </a:xfrm>
+          <a:prstGeom prst="rect">
+            <a:avLst/>
+          </a:prstGeom>
+        </p:spPr>
+      </p:pic>
+      <p:sp>
+        <p:nvSpPr>
+          <p:cNvPr id="4" name="TextBox 3">
+            <a:extLst>
+              <a:ext uri="{FF2B5EF4-FFF2-40B4-BE49-F238E27FC236}">
+                <a16:creationId xmlns:a16="http://schemas.microsoft.com/office/drawing/2014/main" id="{A755D6F3-8373-6C42-96F1-5D8601FFAB34}"/>
+              </a:ext>
+            </a:extLst>
+          </p:cNvPr>
+          <p:cNvSpPr txBox="1"/>
+          <p:nvPr/>
+        </p:nvSpPr>
+        <p:spPr>
+          <a:xfrm>
+            <a:off x="0" y="0"/>
+            <a:ext cx="12192000" cy="461665"/>
+          </a:xfrm>
+          <a:prstGeom prst="rect">
+            <a:avLst/>
+          </a:prstGeom>
+          <a:noFill/>
+        </p:spPr>
+        <p:txBody>
+          <a:bodyPr wrap="square" rtlCol="0">
+            <a:spAutoFit/>
+          </a:bodyPr>
+          <a:lstStyle/>
+          <a:p>
+            <a:pPr algn="ctr"/>
+            <a:r>
+              <a:rPr lang="de-DE" sz="2400">
+                <a:latin typeface="Georgia" panose="02040502050405020303" pitchFamily="18" charset="0"/>
+              </a:rPr>
+              <a:t>normalized PONcoverage (20 samples)</a:t>
+            </a:r>
+          </a:p>
+        </p:txBody>
+      </p:sp>
+    </p:spTree>
+    <p:extLst>
+      <p:ext uri="{BB962C8B-B14F-4D97-AF65-F5344CB8AC3E}">
+        <p14:creationId xmlns:p14="http://schemas.microsoft.com/office/powerpoint/2010/main" val="2772828293"/>
+      </p:ext>
+    </p:extLst>
+  </p:cSld>
+  <p:clrMapOvr>
+    <a:masterClrMapping/>
+  </p:clrMapOvr>
+</p:sld>
+</file>
+
+<file path=ppt/slides/slide8.xml><?xml version="1.0" encoding="utf-8"?>
+<p:sld xmlns:a="http://schemas.openxmlformats.org/drawingml/2006/main" xmlns:r="http://schemas.openxmlformats.org/officeDocument/2006/relationships" xmlns:p="http://schemas.openxmlformats.org/presentationml/2006/main">
+  <p:cSld>
+    <p:spTree>
+      <p:nvGrpSpPr>
+        <p:cNvPr id="1" name=""/>
+        <p:cNvGrpSpPr/>
+        <p:nvPr/>
+      </p:nvGrpSpPr>
+      <p:grpSpPr>
+        <a:xfrm>
+          <a:off x="0" y="0"/>
+          <a:ext cx="0" cy="0"/>
+          <a:chOff x="0" y="0"/>
+          <a:chExt cx="0" cy="0"/>
+        </a:xfrm>
+      </p:grpSpPr>
+    </p:spTree>
+    <p:extLst>
+      <p:ext uri="{BB962C8B-B14F-4D97-AF65-F5344CB8AC3E}">
+        <p14:creationId xmlns:p14="http://schemas.microsoft.com/office/powerpoint/2010/main" val="597904243"/>
+      </p:ext>
+    </p:extLst>
+  </p:cSld>
+  <p:clrMapOvr>
+    <a:masterClrMapping/>
+  </p:clrMapOvr>
+</p:sld>
+</file>
+
+<file path=ppt/slides/slide9.xml><?xml version="1.0" encoding="utf-8"?>
+<p:sld xmlns:a="http://schemas.openxmlformats.org/drawingml/2006/main" xmlns:r="http://schemas.openxmlformats.org/officeDocument/2006/relationships" xmlns:p="http://schemas.openxmlformats.org/presentationml/2006/main">
+  <p:cSld>
+    <p:spTree>
+      <p:nvGrpSpPr>
+        <p:cNvPr id="1" name=""/>
+        <p:cNvGrpSpPr/>
+        <p:nvPr/>
+      </p:nvGrpSpPr>
+      <p:grpSpPr>
+        <a:xfrm>
+          <a:off x="0" y="0"/>
+          <a:ext cx="0" cy="0"/>
+          <a:chOff x="0" y="0"/>
+          <a:chExt cx="0" cy="0"/>
+        </a:xfrm>
+      </p:grpSpPr>
+    </p:spTree>
+    <p:extLst>
+      <p:ext uri="{BB962C8B-B14F-4D97-AF65-F5344CB8AC3E}">
+        <p14:creationId xmlns:p14="http://schemas.microsoft.com/office/powerpoint/2010/main" val="1829056859"/>
       </p:ext>
     </p:extLst>
   </p:cSld>
